--- a/Prezentacija/Prezentacija.pptx
+++ b/Prezentacija/Prezentacija.pptx
@@ -9367,15 +9367,32 @@
           </a:p>
         </p:txBody>
       </p:sp>
+      <p:sp>
+        <p:nvSpPr>
+          <p:cNvPr id="3" name="Content Placeholder 2"/>
+          <p:cNvSpPr>
+            <a:spLocks noGrp="1"/>
+          </p:cNvSpPr>
+          <p:nvPr>
+            <p:ph idx="1"/>
+          </p:nvPr>
+        </p:nvSpPr>
+        <p:spPr/>
+        <p:txBody>
+          <a:bodyPr/>
+          <a:lstStyle/>
+          <a:p>
+            <a:endParaRPr lang="hr-HR"/>
+          </a:p>
+        </p:txBody>
+      </p:sp>
       <p:pic>
         <p:nvPicPr>
-          <p:cNvPr id="7" name="Rezervirano mjesto sadržaja 6"/>
+          <p:cNvPr id="5" name="Picture 4"/>
           <p:cNvPicPr>
-            <a:picLocks noGrp="1" noChangeAspect="1"/>
+            <a:picLocks noChangeAspect="1"/>
           </p:cNvPicPr>
-          <p:nvPr>
-            <p:ph idx="1"/>
-          </p:nvPr>
+          <p:nvPr/>
         </p:nvPicPr>
         <p:blipFill>
           <a:blip r:embed="rId2"/>
@@ -9385,8 +9402,8 @@
         </p:blipFill>
         <p:spPr>
           <a:xfrm>
-            <a:off x="2593078" y="2038039"/>
-            <a:ext cx="6762750" cy="4171950"/>
+            <a:off x="1944451" y="2064683"/>
+            <a:ext cx="7264262" cy="4171950"/>
           </a:xfrm>
           <a:prstGeom prst="rect">
             <a:avLst/>
@@ -9749,7 +9766,7 @@
       </p:sp>
       <p:pic>
         <p:nvPicPr>
-          <p:cNvPr id="2" name="Rezervirano mjesto sadržaja 1"/>
+          <p:cNvPr id="6" name="Content Placeholder 5"/>
           <p:cNvPicPr>
             <a:picLocks noGrp="1" noChangeAspect="1"/>
           </p:cNvPicPr>
@@ -10463,60 +10480,6 @@
           </a:p>
         </p:txBody>
       </p:sp>
-      <p:pic>
-        <p:nvPicPr>
-          <p:cNvPr id="1027" name="Picture 3" descr="download (1)"/>
-          <p:cNvPicPr>
-            <a:picLocks noChangeAspect="1" noChangeArrowheads="1"/>
-          </p:cNvPicPr>
-          <p:nvPr/>
-        </p:nvPicPr>
-        <p:blipFill>
-          <a:blip r:embed="rId2">
-            <a:extLst>
-              <a:ext uri="{28A0092B-C50C-407E-A947-70E740481C1C}">
-                <a14:useLocalDpi xmlns:a14="http://schemas.microsoft.com/office/drawing/2010/main" val="0"/>
-              </a:ext>
-            </a:extLst>
-          </a:blip>
-          <a:srcRect/>
-          <a:stretch>
-            <a:fillRect/>
-          </a:stretch>
-        </p:blipFill>
-        <p:spPr bwMode="auto">
-          <a:xfrm>
-            <a:off x="4368738" y="2928730"/>
-            <a:ext cx="7329000" cy="3115710"/>
-          </a:xfrm>
-          <a:prstGeom prst="rect">
-            <a:avLst/>
-          </a:prstGeom>
-          <a:noFill/>
-          <a:ln>
-            <a:noFill/>
-          </a:ln>
-          <a:extLst>
-            <a:ext uri="{909E8E84-426E-40DD-AFC4-6F175D3DCCD1}">
-              <a14:hiddenFill xmlns:a14="http://schemas.microsoft.com/office/drawing/2010/main">
-                <a:solidFill>
-                  <a:srgbClr val="FFFFFF"/>
-                </a:solidFill>
-              </a14:hiddenFill>
-            </a:ext>
-            <a:ext uri="{91240B29-F687-4F45-9708-019B960494DF}">
-              <a14:hiddenLine xmlns:a14="http://schemas.microsoft.com/office/drawing/2010/main" w="9525">
-                <a:solidFill>
-                  <a:srgbClr val="000000"/>
-                </a:solidFill>
-                <a:miter lim="800000"/>
-                <a:headEnd/>
-                <a:tailEnd/>
-              </a14:hiddenLine>
-            </a:ext>
-          </a:extLst>
-        </p:spPr>
-      </p:pic>
     </p:spTree>
     <p:extLst>
       <p:ext uri="{BB962C8B-B14F-4D97-AF65-F5344CB8AC3E}">
